--- a/Sem 4/RDBMS/Mod 1/RDBMS_Module1.2Data Models.pptx
+++ b/Sem 4/RDBMS/Mod 1/RDBMS_Module1.2Data Models.pptx
@@ -283,7 +283,7 @@
   </p:defaultTextStyle>
   <p:extLst>
     <p:ext uri="{EFAFB233-063F-42B5-8137-9DF3F51BA10A}">
-      <p15:sldGuideLst xmlns="" xmlns:p15="http://schemas.microsoft.com/office/powerpoint/2012/main">
+      <p15:sldGuideLst xmlns:p15="http://schemas.microsoft.com/office/powerpoint/2012/main">
         <p15:guide id="1" orient="horz" pos="1920">
           <p15:clr>
             <a:srgbClr val="000000"/>
@@ -297,7 +297,7 @@
       </p15:sldGuideLst>
     </p:ext>
     <p:ext uri="{2D200454-40CA-4A62-9FC3-DE9A4176ACB9}">
-      <p15:notesGuideLst xmlns="" xmlns:p15="http://schemas.microsoft.com/office/powerpoint/2012/main">
+      <p15:notesGuideLst xmlns:p15="http://schemas.microsoft.com/office/powerpoint/2012/main">
         <p15:guide id="1" orient="horz" pos="2880">
           <p15:clr>
             <a:srgbClr val="000000"/>
@@ -16723,7 +16723,7 @@
           <p:cNvPr id="2" name="Title 1">
             <a:extLst>
               <a:ext uri="{FF2B5EF4-FFF2-40B4-BE49-F238E27FC236}">
-                <a16:creationId xmlns="" xmlns:a16="http://schemas.microsoft.com/office/drawing/2014/main" id="{756D1F85-63B9-9419-F46C-C0674466EA47}"/>
+                <a16:creationId xmlns:a16="http://schemas.microsoft.com/office/drawing/2014/main" id="{756D1F85-63B9-9419-F46C-C0674466EA47}"/>
               </a:ext>
             </a:extLst>
           </p:cNvPr>
@@ -16740,34 +16740,9 @@
           <a:lstStyle/>
           <a:p>
             <a:r>
-              <a:rPr lang="en-US" dirty="0" smtClean="0"/>
+              <a:rPr lang="en-US" dirty="0"/>
               <a:t>Example </a:t>
             </a:r>
-            <a:endParaRPr lang="en-IN" dirty="0"/>
-          </a:p>
-        </p:txBody>
-      </p:sp>
-      <p:sp>
-        <p:nvSpPr>
-          <p:cNvPr id="3" name="Text Placeholder 2">
-            <a:extLst>
-              <a:ext uri="{FF2B5EF4-FFF2-40B4-BE49-F238E27FC236}">
-                <a16:creationId xmlns="" xmlns:a16="http://schemas.microsoft.com/office/drawing/2014/main" id="{B61A7687-6BFD-19DD-2CCB-5F3400AE34A1}"/>
-              </a:ext>
-            </a:extLst>
-          </p:cNvPr>
-          <p:cNvSpPr>
-            <a:spLocks noGrp="1"/>
-          </p:cNvSpPr>
-          <p:nvPr>
-            <p:ph type="body" idx="1"/>
-          </p:nvPr>
-        </p:nvSpPr>
-        <p:spPr/>
-        <p:txBody>
-          <a:bodyPr/>
-          <a:lstStyle/>
-          <a:p>
             <a:endParaRPr lang="en-IN" dirty="0"/>
           </a:p>
         </p:txBody>
@@ -16777,7 +16752,7 @@
           <p:cNvPr id="4" name="Slide Number Placeholder 3">
             <a:extLst>
               <a:ext uri="{FF2B5EF4-FFF2-40B4-BE49-F238E27FC236}">
-                <a16:creationId xmlns="" xmlns:a16="http://schemas.microsoft.com/office/drawing/2014/main" id="{C609C0BC-3392-40B6-5E50-CBD167F8987D}"/>
+                <a16:creationId xmlns:a16="http://schemas.microsoft.com/office/drawing/2014/main" id="{C609C0BC-3392-40B6-5E50-CBD167F8987D}"/>
               </a:ext>
             </a:extLst>
           </p:cNvPr>
@@ -16819,7 +16794,7 @@
           <p:cNvPr id="6" name="Picture 5">
             <a:extLst>
               <a:ext uri="{FF2B5EF4-FFF2-40B4-BE49-F238E27FC236}">
-                <a16:creationId xmlns="" xmlns:a16="http://schemas.microsoft.com/office/drawing/2014/main" id="{42C1A78B-3D18-E2E2-029B-96E3BDE8F2DB}"/>
+                <a16:creationId xmlns:a16="http://schemas.microsoft.com/office/drawing/2014/main" id="{42C1A78B-3D18-E2E2-029B-96E3BDE8F2DB}"/>
               </a:ext>
             </a:extLst>
           </p:cNvPr>
@@ -16849,7 +16824,7 @@
           <p:cNvPr id="8" name="Picture 7">
             <a:extLst>
               <a:ext uri="{FF2B5EF4-FFF2-40B4-BE49-F238E27FC236}">
-                <a16:creationId xmlns="" xmlns:a16="http://schemas.microsoft.com/office/drawing/2014/main" id="{044A9EF7-0825-D5E1-A0DF-75ECFCFAE3E1}"/>
+                <a16:creationId xmlns:a16="http://schemas.microsoft.com/office/drawing/2014/main" id="{044A9EF7-0825-D5E1-A0DF-75ECFCFAE3E1}"/>
               </a:ext>
             </a:extLst>
           </p:cNvPr>
@@ -17223,6 +17198,9 @@
                 <a:solidFill>
                   <a:schemeClr val="dk2"/>
                 </a:solidFill>
+                <a:highlight>
+                  <a:srgbClr val="FFFF00"/>
+                </a:highlight>
                 <a:latin typeface="Arial"/>
                 <a:ea typeface="Arial"/>
                 <a:cs typeface="Arial"/>
@@ -17230,7 +17208,11 @@
               </a:rPr>
               <a:t>Advantages:</a:t>
             </a:r>
-            <a:endParaRPr dirty="0"/>
+            <a:endParaRPr dirty="0">
+              <a:highlight>
+                <a:srgbClr val="FFFF00"/>
+              </a:highlight>
+            </a:endParaRPr>
           </a:p>
           <a:p>
             <a:pPr marL="742950" lvl="1" indent="-285750" algn="l" rtl="0">
@@ -17255,6 +17237,9 @@
                 <a:solidFill>
                   <a:srgbClr val="800000"/>
                 </a:solidFill>
+                <a:highlight>
+                  <a:srgbClr val="FFFF00"/>
+                </a:highlight>
                 <a:latin typeface="Arial"/>
                 <a:ea typeface="Arial"/>
                 <a:cs typeface="Arial"/>
@@ -17262,7 +17247,11 @@
               </a:rPr>
               <a:t>Simple to construct and operate</a:t>
             </a:r>
-            <a:endParaRPr dirty="0"/>
+            <a:endParaRPr dirty="0">
+              <a:highlight>
+                <a:srgbClr val="FFFF00"/>
+              </a:highlight>
+            </a:endParaRPr>
           </a:p>
           <a:p>
             <a:pPr marL="742950" lvl="1" indent="-285750" algn="l" rtl="0">
@@ -17287,6 +17276,9 @@
                 <a:solidFill>
                   <a:srgbClr val="800000"/>
                 </a:solidFill>
+                <a:highlight>
+                  <a:srgbClr val="FFFF00"/>
+                </a:highlight>
                 <a:latin typeface="Arial"/>
                 <a:ea typeface="Arial"/>
                 <a:cs typeface="Arial"/>
@@ -17294,7 +17286,11 @@
               </a:rPr>
               <a:t>Corresponds to a number of natural hierarchically organized domains, e.g., organization (“org”) chart</a:t>
             </a:r>
-            <a:endParaRPr dirty="0"/>
+            <a:endParaRPr dirty="0">
+              <a:highlight>
+                <a:srgbClr val="FFFF00"/>
+              </a:highlight>
+            </a:endParaRPr>
           </a:p>
           <a:p>
             <a:pPr marL="742950" lvl="1" indent="-285750" algn="l" rtl="0">
@@ -17319,6 +17315,9 @@
                 <a:solidFill>
                   <a:srgbClr val="800000"/>
                 </a:solidFill>
+                <a:highlight>
+                  <a:srgbClr val="FFFF00"/>
+                </a:highlight>
                 <a:latin typeface="Arial"/>
                 <a:ea typeface="Arial"/>
                 <a:cs typeface="Arial"/>
@@ -17326,7 +17325,11 @@
               </a:rPr>
               <a:t>Language is simple: </a:t>
             </a:r>
-            <a:endParaRPr dirty="0"/>
+            <a:endParaRPr dirty="0">
+              <a:highlight>
+                <a:srgbClr val="FFFF00"/>
+              </a:highlight>
+            </a:endParaRPr>
           </a:p>
           <a:p>
             <a:pPr marL="1143000" lvl="2" indent="-228600" algn="l" rtl="0">
@@ -17351,6 +17354,9 @@
                 <a:solidFill>
                   <a:schemeClr val="dk2"/>
                 </a:solidFill>
+                <a:highlight>
+                  <a:srgbClr val="FFFF00"/>
+                </a:highlight>
                 <a:latin typeface="Arial"/>
                 <a:ea typeface="Arial"/>
                 <a:cs typeface="Arial"/>
@@ -17358,7 +17364,11 @@
               </a:rPr>
               <a:t>Uses constructs like GET, GET UNIQUE, GET NEXT, GET NEXT WITHIN PARENT, etc.</a:t>
             </a:r>
-            <a:endParaRPr dirty="0"/>
+            <a:endParaRPr dirty="0">
+              <a:highlight>
+                <a:srgbClr val="FFFF00"/>
+              </a:highlight>
+            </a:endParaRPr>
           </a:p>
           <a:p>
             <a:pPr marL="342900" lvl="0" indent="-342900" algn="l" rtl="0">
@@ -17383,6 +17393,9 @@
                 <a:solidFill>
                   <a:schemeClr val="dk2"/>
                 </a:solidFill>
+                <a:highlight>
+                  <a:srgbClr val="FFFF00"/>
+                </a:highlight>
                 <a:latin typeface="Arial"/>
                 <a:ea typeface="Arial"/>
                 <a:cs typeface="Arial"/>
@@ -17390,7 +17403,11 @@
               </a:rPr>
               <a:t>Disadvantages:</a:t>
             </a:r>
-            <a:endParaRPr dirty="0"/>
+            <a:endParaRPr dirty="0">
+              <a:highlight>
+                <a:srgbClr val="FFFF00"/>
+              </a:highlight>
+            </a:endParaRPr>
           </a:p>
           <a:p>
             <a:pPr marL="742950" lvl="1" indent="-285750" algn="l" rtl="0">
@@ -17415,6 +17432,9 @@
                 <a:solidFill>
                   <a:srgbClr val="800000"/>
                 </a:solidFill>
+                <a:highlight>
+                  <a:srgbClr val="FFFF00"/>
+                </a:highlight>
                 <a:latin typeface="Arial"/>
                 <a:ea typeface="Arial"/>
                 <a:cs typeface="Arial"/>
@@ -17422,7 +17442,11 @@
               </a:rPr>
               <a:t>Navigational and procedural nature of processing</a:t>
             </a:r>
-            <a:endParaRPr dirty="0"/>
+            <a:endParaRPr dirty="0">
+              <a:highlight>
+                <a:srgbClr val="FFFF00"/>
+              </a:highlight>
+            </a:endParaRPr>
           </a:p>
           <a:p>
             <a:pPr marL="742950" lvl="1" indent="-285750" algn="l" rtl="0">
@@ -17447,6 +17471,9 @@
                 <a:solidFill>
                   <a:srgbClr val="800000"/>
                 </a:solidFill>
+                <a:highlight>
+                  <a:srgbClr val="FFFF00"/>
+                </a:highlight>
                 <a:latin typeface="Arial"/>
                 <a:ea typeface="Arial"/>
                 <a:cs typeface="Arial"/>
@@ -17454,7 +17481,11 @@
               </a:rPr>
               <a:t>Database is visualized as a linear arrangement of records</a:t>
             </a:r>
-            <a:endParaRPr dirty="0"/>
+            <a:endParaRPr dirty="0">
+              <a:highlight>
+                <a:srgbClr val="FFFF00"/>
+              </a:highlight>
+            </a:endParaRPr>
           </a:p>
           <a:p>
             <a:pPr marL="742950" lvl="1" indent="-285750" algn="l" rtl="0">
@@ -17479,6 +17510,9 @@
                 <a:solidFill>
                   <a:srgbClr val="800000"/>
                 </a:solidFill>
+                <a:highlight>
+                  <a:srgbClr val="FFFF00"/>
+                </a:highlight>
                 <a:latin typeface="Arial"/>
                 <a:ea typeface="Arial"/>
                 <a:cs typeface="Arial"/>
@@ -17486,7 +17520,11 @@
               </a:rPr>
               <a:t>Little scope for "query optimization"</a:t>
             </a:r>
-            <a:endParaRPr dirty="0"/>
+            <a:endParaRPr dirty="0">
+              <a:highlight>
+                <a:srgbClr val="FFFF00"/>
+              </a:highlight>
+            </a:endParaRPr>
           </a:p>
         </p:txBody>
       </p:sp>
@@ -17495,13 +17533,6 @@
   <p:clrMapOvr>
     <a:masterClrMapping/>
   </p:clrMapOvr>
-  <p:timing>
-    <p:tnLst>
-      <p:par>
-        <p:cTn id="1" dur="indefinite" restart="never" nodeType="tmRoot"/>
-      </p:par>
-    </p:tnLst>
-  </p:timing>
 </p:sld>
 </file>
 
@@ -17726,9 +17757,20 @@
             </a:pPr>
             <a:r>
               <a:rPr lang="en-US" dirty="0"/>
-              <a:t>This database model enables many-to-many relationships among the connected nodes. </a:t>
-            </a:r>
-            <a:endParaRPr lang="en-US" dirty="0" smtClean="0"/>
+              <a:t>This database model enables </a:t>
+            </a:r>
+            <a:r>
+              <a:rPr lang="en-US" dirty="0">
+                <a:highlight>
+                  <a:srgbClr val="FFFF00"/>
+                </a:highlight>
+              </a:rPr>
+              <a:t>many-to-many relationships </a:t>
+            </a:r>
+            <a:r>
+              <a:rPr lang="en-US" dirty="0"/>
+              <a:t>among the connected nodes. </a:t>
+            </a:r>
           </a:p>
           <a:p>
             <a:pPr marL="742950" lvl="1" indent="-285750">
@@ -17741,14 +17783,29 @@
               <a:buSzPts val="1430"/>
             </a:pPr>
             <a:r>
-              <a:rPr lang="en-US" dirty="0" smtClean="0"/>
-              <a:t>The </a:t>
-            </a:r>
-            <a:r>
               <a:rPr lang="en-US" dirty="0"/>
-              <a:t>data is arranged in a graph-like structure, and here ‘child’ nodes can have multiple ‘parent’ nodes. </a:t>
-            </a:r>
-            <a:endParaRPr lang="en-US" dirty="0" smtClean="0"/>
+              <a:t>The data is arranged in a </a:t>
+            </a:r>
+            <a:r>
+              <a:rPr lang="en-US" dirty="0">
+                <a:highlight>
+                  <a:srgbClr val="FFFF00"/>
+                </a:highlight>
+              </a:rPr>
+              <a:t>graph-like structure</a:t>
+            </a:r>
+            <a:r>
+              <a:rPr lang="en-US" dirty="0"/>
+              <a:t>, and </a:t>
+            </a:r>
+            <a:r>
+              <a:rPr lang="en-US" dirty="0">
+                <a:highlight>
+                  <a:srgbClr val="FFFF00"/>
+                </a:highlight>
+              </a:rPr>
+              <a:t>here ‘child’ nodes can have multiple ‘parent’ nodes. </a:t>
+            </a:r>
           </a:p>
           <a:p>
             <a:pPr marL="742950" lvl="1" indent="-285750">
@@ -17761,12 +17818,12 @@
               <a:buSzPts val="1430"/>
             </a:pPr>
             <a:r>
-              <a:rPr lang="en-US" dirty="0" smtClean="0"/>
-              <a:t>The </a:t>
-            </a:r>
-            <a:r>
-              <a:rPr lang="en-US" dirty="0"/>
-              <a:t>parent nodes are known as owners, and the child nodes are called members.</a:t>
+              <a:rPr lang="en-US" dirty="0">
+                <a:highlight>
+                  <a:srgbClr val="FFFF00"/>
+                </a:highlight>
+              </a:rPr>
+              <a:t>The parent nodes are known as owners, and the child nodes are called members.</a:t>
             </a:r>
           </a:p>
           <a:p>
@@ -17788,7 +17845,7 @@
               <a:buChar char="■"/>
             </a:pPr>
             <a:r>
-              <a:rPr lang="en-US" sz="2600" b="0" i="0" u="none" dirty="0" smtClean="0">
+              <a:rPr lang="en-US" sz="2600" b="0" i="0" u="none" dirty="0">
                 <a:solidFill>
                   <a:srgbClr val="800000"/>
                 </a:solidFill>
@@ -17797,19 +17854,7 @@
                 <a:cs typeface="Arial"/>
                 <a:sym typeface="Arial"/>
               </a:rPr>
-              <a:t>The </a:t>
-            </a:r>
-            <a:r>
-              <a:rPr lang="en-US" sz="2600" b="0" i="0" u="none" dirty="0">
-                <a:solidFill>
-                  <a:srgbClr val="800000"/>
-                </a:solidFill>
-                <a:latin typeface="Arial"/>
-                <a:ea typeface="Arial"/>
-                <a:cs typeface="Arial"/>
-                <a:sym typeface="Arial"/>
-              </a:rPr>
-              <a:t>first network DBMS was implemented by Honeywell in 1964-65 (IDS System).</a:t>
+              <a:t>The first network DBMS was implemented by Honeywell in 1964-65 (IDS System).</a:t>
             </a:r>
             <a:endParaRPr dirty="0"/>
           </a:p>
@@ -17841,19 +17886,7 @@
                 <a:cs typeface="Arial"/>
                 <a:sym typeface="Arial"/>
               </a:rPr>
-              <a:t>Adopted heavily due to the support by CODASYL (Conference on Data Systems Languages) (CODASYL - DBTG report of 1971</a:t>
-            </a:r>
-            <a:r>
-              <a:rPr lang="en-US" sz="2600" b="0" i="0" u="none" dirty="0" smtClean="0">
-                <a:solidFill>
-                  <a:srgbClr val="800000"/>
-                </a:solidFill>
-                <a:latin typeface="Arial"/>
-                <a:ea typeface="Arial"/>
-                <a:cs typeface="Arial"/>
-                <a:sym typeface="Arial"/>
-              </a:rPr>
-              <a:t>).</a:t>
+              <a:t>Adopted heavily due to the support by CODASYL (Conference on Data Systems Languages) (CODASYL - DBTG report of 1971).</a:t>
             </a:r>
             <a:endParaRPr dirty="0"/>
           </a:p>
@@ -17869,13 +17902,6 @@
   <p:clrMapOvr>
     <a:masterClrMapping/>
   </p:clrMapOvr>
-  <p:timing>
-    <p:tnLst>
-      <p:par>
-        <p:cTn id="1" dur="indefinite" restart="never" nodeType="tmRoot"/>
-      </p:par>
-    </p:tnLst>
-  </p:timing>
 </p:sld>
 </file>
 
@@ -18085,7 +18111,7 @@
           <p:cNvPr id="3" name="Picture 2">
             <a:extLst>
               <a:ext uri="{FF2B5EF4-FFF2-40B4-BE49-F238E27FC236}">
-                <a16:creationId xmlns="" xmlns:a16="http://schemas.microsoft.com/office/drawing/2014/main" id="{9704F6F3-1EDC-5806-CB5D-3A96DE23D3A9}"/>
+                <a16:creationId xmlns:a16="http://schemas.microsoft.com/office/drawing/2014/main" id="{9704F6F3-1EDC-5806-CB5D-3A96DE23D3A9}"/>
               </a:ext>
             </a:extLst>
           </p:cNvPr>
@@ -18149,13 +18175,6 @@
   <p:clrMapOvr>
     <a:masterClrMapping/>
   </p:clrMapOvr>
-  <p:timing>
-    <p:tnLst>
-      <p:par>
-        <p:cTn id="1" dur="indefinite" restart="never" nodeType="tmRoot"/>
-      </p:par>
-    </p:tnLst>
-  </p:timing>
 </p:sld>
 </file>
 
@@ -18359,6 +18378,9 @@
                 <a:solidFill>
                   <a:schemeClr val="dk2"/>
                 </a:solidFill>
+                <a:highlight>
+                  <a:srgbClr val="FFFF00"/>
+                </a:highlight>
                 <a:latin typeface="Arial"/>
                 <a:ea typeface="Arial"/>
                 <a:cs typeface="Arial"/>
@@ -18366,7 +18388,11 @@
               </a:rPr>
               <a:t>Advantages:</a:t>
             </a:r>
-            <a:endParaRPr dirty="0"/>
+            <a:endParaRPr dirty="0">
+              <a:highlight>
+                <a:srgbClr val="FFFF00"/>
+              </a:highlight>
+            </a:endParaRPr>
           </a:p>
           <a:p>
             <a:pPr marL="742950" lvl="1" indent="-285750" algn="l" rtl="0">
@@ -18391,6 +18417,9 @@
                 <a:solidFill>
                   <a:srgbClr val="800000"/>
                 </a:solidFill>
+                <a:highlight>
+                  <a:srgbClr val="FFFF00"/>
+                </a:highlight>
                 <a:latin typeface="Arial"/>
                 <a:ea typeface="Arial"/>
                 <a:cs typeface="Arial"/>
@@ -18398,7 +18427,11 @@
               </a:rPr>
               <a:t>Network Model is able to model complex relationships and represents semantics of add/delete on the relationships.</a:t>
             </a:r>
-            <a:endParaRPr dirty="0"/>
+            <a:endParaRPr dirty="0">
+              <a:highlight>
+                <a:srgbClr val="FFFF00"/>
+              </a:highlight>
+            </a:endParaRPr>
           </a:p>
           <a:p>
             <a:pPr marL="742950" lvl="1" indent="-285750">
@@ -18411,10 +18444,13 @@
               <a:buSzPts val="1430"/>
             </a:pPr>
             <a:r>
-              <a:rPr lang="en-US" dirty="0"/>
+              <a:rPr lang="en-US" dirty="0">
+                <a:highlight>
+                  <a:srgbClr val="FFFF00"/>
+                </a:highlight>
+              </a:rPr>
               <a:t>In comparison to the hierarchical model, data can be retrieved faster. </a:t>
             </a:r>
-            <a:endParaRPr lang="en-US" dirty="0" smtClean="0"/>
           </a:p>
           <a:p>
             <a:pPr marL="742950" lvl="1" indent="-285750">
@@ -18427,12 +18463,12 @@
               <a:buSzPts val="1430"/>
             </a:pPr>
             <a:r>
-              <a:rPr lang="en-US" dirty="0" smtClean="0"/>
-              <a:t>The </a:t>
-            </a:r>
-            <a:r>
-              <a:rPr lang="en-US" dirty="0"/>
-              <a:t>data can be accessed in a variety of ways.</a:t>
+              <a:rPr lang="en-US" dirty="0">
+                <a:highlight>
+                  <a:srgbClr val="FFFF00"/>
+                </a:highlight>
+              </a:rPr>
+              <a:t>The data can be accessed in a variety of ways.</a:t>
             </a:r>
           </a:p>
           <a:p>
@@ -18454,30 +18490,25 @@
               <a:buChar char="■"/>
             </a:pPr>
             <a:r>
-              <a:rPr lang="en-US" sz="2600" b="0" i="0" u="none" dirty="0" smtClean="0">
+              <a:rPr lang="en-US" sz="2600" b="0" i="0" u="none" dirty="0">
                 <a:solidFill>
                   <a:srgbClr val="800000"/>
                 </a:solidFill>
-                <a:latin typeface="Arial"/>
-                <a:ea typeface="Arial"/>
-                <a:cs typeface="Arial"/>
-                <a:sym typeface="Arial"/>
-              </a:rPr>
-              <a:t>Language </a:t>
-            </a:r>
-            <a:r>
-              <a:rPr lang="en-US" sz="2600" b="0" i="0" u="none" dirty="0">
-                <a:solidFill>
-                  <a:srgbClr val="800000"/>
-                </a:solidFill>
-                <a:latin typeface="Arial"/>
-                <a:ea typeface="Arial"/>
-                <a:cs typeface="Arial"/>
-                <a:sym typeface="Arial"/>
-              </a:rPr>
-              <a:t>is navigational; uses constructs like FIND, FIND member, FIND owner, FIND NEXT within set, GET, etc. </a:t>
-            </a:r>
-            <a:endParaRPr dirty="0"/>
+                <a:highlight>
+                  <a:srgbClr val="FFFF00"/>
+                </a:highlight>
+                <a:latin typeface="Arial"/>
+                <a:ea typeface="Arial"/>
+                <a:cs typeface="Arial"/>
+                <a:sym typeface="Arial"/>
+              </a:rPr>
+              <a:t>Language is navigational; uses constructs like FIND, FIND member, FIND owner, FIND NEXT within set, GET, etc. </a:t>
+            </a:r>
+            <a:endParaRPr dirty="0">
+              <a:highlight>
+                <a:srgbClr val="FFFF00"/>
+              </a:highlight>
+            </a:endParaRPr>
           </a:p>
           <a:p>
             <a:pPr marL="1143000" lvl="2" indent="-228600" algn="l" rtl="0">
@@ -18502,6 +18533,9 @@
                 <a:solidFill>
                   <a:schemeClr val="dk2"/>
                 </a:solidFill>
+                <a:highlight>
+                  <a:srgbClr val="FFFF00"/>
+                </a:highlight>
                 <a:latin typeface="Arial"/>
                 <a:ea typeface="Arial"/>
                 <a:cs typeface="Arial"/>
@@ -18509,7 +18543,11 @@
               </a:rPr>
               <a:t>Programmers can do optimal navigation through the database.</a:t>
             </a:r>
-            <a:endParaRPr dirty="0"/>
+            <a:endParaRPr dirty="0">
+              <a:highlight>
+                <a:srgbClr val="FFFF00"/>
+              </a:highlight>
+            </a:endParaRPr>
           </a:p>
         </p:txBody>
       </p:sp>
@@ -18523,13 +18561,6 @@
   <p:clrMapOvr>
     <a:masterClrMapping/>
   </p:clrMapOvr>
-  <p:timing>
-    <p:tnLst>
-      <p:par>
-        <p:cTn id="1" dur="indefinite" restart="never" nodeType="tmRoot"/>
-      </p:par>
-    </p:tnLst>
-  </p:timing>
 </p:sld>
 </file>
 
@@ -18733,6 +18764,9 @@
                 <a:solidFill>
                   <a:schemeClr val="dk2"/>
                 </a:solidFill>
+                <a:highlight>
+                  <a:srgbClr val="FFFF00"/>
+                </a:highlight>
                 <a:latin typeface="Arial"/>
                 <a:ea typeface="Arial"/>
                 <a:cs typeface="Arial"/>
@@ -18740,7 +18774,11 @@
               </a:rPr>
               <a:t>Disadvantages:</a:t>
             </a:r>
-            <a:endParaRPr dirty="0"/>
+            <a:endParaRPr dirty="0">
+              <a:highlight>
+                <a:srgbClr val="FFFF00"/>
+              </a:highlight>
+            </a:endParaRPr>
           </a:p>
           <a:p>
             <a:pPr marL="742950" lvl="1" indent="-285750">
@@ -18750,10 +18788,13 @@
               <a:buSzPts val="1430"/>
             </a:pPr>
             <a:r>
-              <a:rPr lang="en-US" dirty="0"/>
+              <a:rPr lang="en-US" dirty="0">
+                <a:highlight>
+                  <a:srgbClr val="FFFF00"/>
+                </a:highlight>
+              </a:rPr>
               <a:t>As the number of relationships to be managed grows, the system may get increasingly complicated. </a:t>
             </a:r>
-            <a:endParaRPr lang="en-US" dirty="0" smtClean="0"/>
           </a:p>
           <a:p>
             <a:pPr marL="742950" lvl="1" indent="-285750">
@@ -18763,12 +18804,12 @@
               <a:buSzPts val="1430"/>
             </a:pPr>
             <a:r>
-              <a:rPr lang="en-US" dirty="0" smtClean="0"/>
-              <a:t>To </a:t>
-            </a:r>
-            <a:r>
-              <a:rPr lang="en-US" dirty="0"/>
-              <a:t>operate with the model, a user must have a thorough understanding of it.</a:t>
+              <a:rPr lang="en-US" dirty="0">
+                <a:highlight>
+                  <a:srgbClr val="FFFF00"/>
+                </a:highlight>
+              </a:rPr>
+              <a:t>To operate with the model, a user must have a thorough understanding of it.</a:t>
             </a:r>
           </a:p>
           <a:p>
@@ -18779,10 +18820,18 @@
               <a:buSzPts val="1430"/>
             </a:pPr>
             <a:r>
-              <a:rPr lang="en-US" dirty="0"/>
+              <a:rPr lang="en-US" dirty="0">
+                <a:highlight>
+                  <a:srgbClr val="FFFF00"/>
+                </a:highlight>
+              </a:rPr>
               <a:t>Any alteration, such as an update, deletion, or insertion, is extremely difficult.</a:t>
             </a:r>
-            <a:endParaRPr dirty="0"/>
+            <a:endParaRPr dirty="0">
+              <a:highlight>
+                <a:srgbClr val="FFFF00"/>
+              </a:highlight>
+            </a:endParaRPr>
           </a:p>
         </p:txBody>
       </p:sp>
@@ -18796,13 +18845,6 @@
   <p:clrMapOvr>
     <a:masterClrMapping/>
   </p:clrMapOvr>
-  <p:timing>
-    <p:tnLst>
-      <p:par>
-        <p:cTn id="1" dur="indefinite" restart="never" nodeType="tmRoot"/>
-      </p:par>
-    </p:tnLst>
-  </p:timing>
 </p:sld>
 </file>
 
@@ -18828,7 +18870,7 @@
           <p:cNvPr id="2" name="Title 1">
             <a:extLst>
               <a:ext uri="{FF2B5EF4-FFF2-40B4-BE49-F238E27FC236}">
-                <a16:creationId xmlns="" xmlns:a16="http://schemas.microsoft.com/office/drawing/2014/main" id="{3A261CB5-D204-84DC-5CB3-EA17A4A51BB1}"/>
+                <a16:creationId xmlns:a16="http://schemas.microsoft.com/office/drawing/2014/main" id="{3A261CB5-D204-84DC-5CB3-EA17A4A51BB1}"/>
               </a:ext>
             </a:extLst>
           </p:cNvPr>
@@ -18856,7 +18898,7 @@
           <p:cNvPr id="3" name="Text Placeholder 2">
             <a:extLst>
               <a:ext uri="{FF2B5EF4-FFF2-40B4-BE49-F238E27FC236}">
-                <a16:creationId xmlns="" xmlns:a16="http://schemas.microsoft.com/office/drawing/2014/main" id="{0EB312CF-7DC1-3B66-01CA-4DB0CD51EE1E}"/>
+                <a16:creationId xmlns:a16="http://schemas.microsoft.com/office/drawing/2014/main" id="{0EB312CF-7DC1-3B66-01CA-4DB0CD51EE1E}"/>
               </a:ext>
             </a:extLst>
           </p:cNvPr>
@@ -18883,6 +18925,9 @@
                 <a:solidFill>
                   <a:srgbClr val="800000"/>
                 </a:solidFill>
+                <a:highlight>
+                  <a:srgbClr val="FFFF00"/>
+                </a:highlight>
               </a:rPr>
               <a:t>An ER model is the logical representation of data as objects and relationships among them. </a:t>
             </a:r>
@@ -18893,6 +18938,9 @@
                 <a:solidFill>
                   <a:srgbClr val="800000"/>
                 </a:solidFill>
+                <a:highlight>
+                  <a:srgbClr val="FFFF00"/>
+                </a:highlight>
               </a:rPr>
               <a:t>These objects are known as entities, and relationship is an association among these entities. </a:t>
             </a:r>
@@ -18923,6 +18971,9 @@
                 <a:solidFill>
                   <a:srgbClr val="800000"/>
                 </a:solidFill>
+                <a:highlight>
+                  <a:srgbClr val="FFFF00"/>
+                </a:highlight>
               </a:rPr>
               <a:t>A set of attributes describe the entities. </a:t>
             </a:r>
@@ -18930,6 +18981,9 @@
               <a:solidFill>
                 <a:srgbClr val="800000"/>
               </a:solidFill>
+              <a:highlight>
+                <a:srgbClr val="FFFF00"/>
+              </a:highlight>
             </a:endParaRPr>
           </a:p>
         </p:txBody>
@@ -18939,7 +18993,7 @@
           <p:cNvPr id="4" name="Slide Number Placeholder 3">
             <a:extLst>
               <a:ext uri="{FF2B5EF4-FFF2-40B4-BE49-F238E27FC236}">
-                <a16:creationId xmlns="" xmlns:a16="http://schemas.microsoft.com/office/drawing/2014/main" id="{FA30F339-2FC3-4383-EA5F-9461317BF42B}"/>
+                <a16:creationId xmlns:a16="http://schemas.microsoft.com/office/drawing/2014/main" id="{FA30F339-2FC3-4383-EA5F-9461317BF42B}"/>
               </a:ext>
             </a:extLst>
           </p:cNvPr>
@@ -18986,13 +19040,6 @@
   <p:clrMapOvr>
     <a:masterClrMapping/>
   </p:clrMapOvr>
-  <p:timing>
-    <p:tnLst>
-      <p:par>
-        <p:cTn id="1" dur="indefinite" restart="never" nodeType="tmRoot"/>
-      </p:par>
-    </p:tnLst>
-  </p:timing>
 </p:sld>
 </file>
 
@@ -19213,7 +19260,11 @@
               <a:buSzPts val="1210"/>
             </a:pPr>
             <a:r>
-              <a:rPr lang="en-US" sz="2200" dirty="0"/>
+              <a:rPr lang="en-US" sz="2200" dirty="0">
+                <a:highlight>
+                  <a:srgbClr val="FFFF00"/>
+                </a:highlight>
+              </a:rPr>
               <a:t>In this model, data is organized in two-dimensional tables and the relationship is maintained by storing a common field.</a:t>
             </a:r>
           </a:p>
@@ -19236,7 +19287,7 @@
               <a:buChar char="■"/>
             </a:pPr>
             <a:r>
-              <a:rPr lang="en-US" sz="2200" b="0" i="0" u="none" dirty="0" smtClean="0">
+              <a:rPr lang="en-US" sz="2200" b="0" i="0" u="none" dirty="0">
                 <a:solidFill>
                   <a:srgbClr val="800000"/>
                 </a:solidFill>
@@ -19245,19 +19296,7 @@
                 <a:cs typeface="Arial"/>
                 <a:sym typeface="Arial"/>
               </a:rPr>
-              <a:t>Proposed </a:t>
-            </a:r>
-            <a:r>
-              <a:rPr lang="en-US" sz="2200" b="0" i="0" u="none" dirty="0">
-                <a:solidFill>
-                  <a:srgbClr val="800000"/>
-                </a:solidFill>
-                <a:latin typeface="Arial"/>
-                <a:ea typeface="Arial"/>
-                <a:cs typeface="Arial"/>
-                <a:sym typeface="Arial"/>
-              </a:rPr>
-              <a:t>in 1970 by E.F. Codd (IBM), first commercial system in 1981-82.</a:t>
+              <a:t>Proposed in 1970 by E.F. Codd (IBM), first commercial system in 1981-82.</a:t>
             </a:r>
             <a:endParaRPr dirty="0"/>
           </a:p>
@@ -19396,13 +19435,6 @@
   <p:clrMapOvr>
     <a:masterClrMapping/>
   </p:clrMapOvr>
-  <p:timing>
-    <p:tnLst>
-      <p:par>
-        <p:cTn id="1" dur="indefinite" restart="never" nodeType="tmRoot"/>
-      </p:par>
-    </p:tnLst>
-  </p:timing>
 </p:sld>
 </file>
 
@@ -19638,6 +19670,9 @@
                 <a:solidFill>
                   <a:srgbClr val="800000"/>
                 </a:solidFill>
+                <a:highlight>
+                  <a:srgbClr val="FFFF00"/>
+                </a:highlight>
                 <a:latin typeface="Arial"/>
                 <a:ea typeface="Arial"/>
                 <a:cs typeface="Arial"/>
@@ -19654,20 +19689,28 @@
               <a:buSzPts val="1210"/>
             </a:pPr>
             <a:r>
-              <a:rPr lang="en-US" sz="2400" dirty="0"/>
+              <a:rPr lang="en-US" sz="2400" dirty="0">
+                <a:highlight>
+                  <a:srgbClr val="FFFF00"/>
+                </a:highlight>
+              </a:rPr>
               <a:t>These models are specifically designed to integrate object-oriented programming paradigms with database management, enabling </a:t>
             </a:r>
             <a:r>
-              <a:rPr lang="en-US" sz="2400" b="1" dirty="0"/>
+              <a:rPr lang="en-US" sz="2400" b="1" dirty="0">
+                <a:highlight>
+                  <a:srgbClr val="FFFF00"/>
+                </a:highlight>
+              </a:rPr>
               <a:t>persistent storage</a:t>
             </a:r>
             <a:r>
-              <a:rPr lang="en-US" sz="2400" dirty="0"/>
-              <a:t> of objects</a:t>
-            </a:r>
-            <a:r>
-              <a:rPr lang="en-US" sz="2400" dirty="0" smtClean="0"/>
-              <a:t>.</a:t>
+              <a:rPr lang="en-US" sz="2400" dirty="0">
+                <a:highlight>
+                  <a:srgbClr val="FFFF00"/>
+                </a:highlight>
+              </a:rPr>
+              <a:t> of objects.</a:t>
             </a:r>
           </a:p>
           <a:p>
@@ -19678,7 +19721,7 @@
               <a:buSzPts val="1210"/>
             </a:pPr>
             <a:r>
-              <a:rPr lang="en-US" sz="2200" b="0" i="0" u="none" dirty="0" smtClean="0">
+              <a:rPr lang="en-US" sz="2200" b="0" i="0" u="none" dirty="0">
                 <a:solidFill>
                   <a:srgbClr val="800000"/>
                 </a:solidFill>
@@ -19687,19 +19730,7 @@
                 <a:cs typeface="Arial"/>
                 <a:sym typeface="Arial"/>
               </a:rPr>
-              <a:t>One </a:t>
-            </a:r>
-            <a:r>
-              <a:rPr lang="en-US" sz="2200" b="0" i="0" u="none" dirty="0">
-                <a:solidFill>
-                  <a:srgbClr val="800000"/>
-                </a:solidFill>
-                <a:latin typeface="Arial"/>
-                <a:ea typeface="Arial"/>
-                <a:cs typeface="Arial"/>
-                <a:sym typeface="Arial"/>
-              </a:rPr>
-              <a:t>set comprises models of persistent O-O Programming Languages such as C++ (e.g., in OBJECTSTORE or VERSANT), and Smalltalk (e.g., in GEMSTONE).</a:t>
+              <a:t>One set comprises models of persistent O-O Programming Languages such as C++ (e.g., in OBJECTSTORE or VERSANT), and Smalltalk (e.g., in GEMSTONE).</a:t>
             </a:r>
             <a:endParaRPr dirty="0"/>
           </a:p>
@@ -19710,13 +19741,6 @@
   <p:clrMapOvr>
     <a:masterClrMapping/>
   </p:clrMapOvr>
-  <p:timing>
-    <p:tnLst>
-      <p:par>
-        <p:cTn id="1" dur="indefinite" restart="never" nodeType="tmRoot"/>
-      </p:par>
-    </p:tnLst>
-  </p:timing>
 </p:sld>
 </file>
 
@@ -19920,6 +19944,9 @@
                 <a:solidFill>
                   <a:schemeClr val="dk2"/>
                 </a:solidFill>
+                <a:highlight>
+                  <a:srgbClr val="FFFF00"/>
+                </a:highlight>
                 <a:latin typeface="Arial"/>
                 <a:ea typeface="Arial"/>
                 <a:cs typeface="Arial"/>
@@ -19927,7 +19954,11 @@
               </a:rPr>
               <a:t>Object-Relational Models: </a:t>
             </a:r>
-            <a:endParaRPr dirty="0"/>
+            <a:endParaRPr dirty="0">
+              <a:highlight>
+                <a:srgbClr val="FFFF00"/>
+              </a:highlight>
+            </a:endParaRPr>
           </a:p>
           <a:p>
             <a:pPr marL="742950" lvl="1" indent="-285750" algn="l" rtl="0">
@@ -19952,6 +19983,9 @@
                 <a:solidFill>
                   <a:srgbClr val="800000"/>
                 </a:solidFill>
+                <a:highlight>
+                  <a:srgbClr val="FFFF00"/>
+                </a:highlight>
                 <a:latin typeface="Arial"/>
                 <a:ea typeface="Arial"/>
                 <a:cs typeface="Arial"/>
@@ -19983,6 +20017,9 @@
                 <a:solidFill>
                   <a:srgbClr val="800000"/>
                 </a:solidFill>
+                <a:highlight>
+                  <a:srgbClr val="FFFF00"/>
+                </a:highlight>
                 <a:latin typeface="Arial"/>
                 <a:ea typeface="Arial"/>
                 <a:cs typeface="Arial"/>
@@ -19990,7 +20027,11 @@
               </a:rPr>
               <a:t>As a result, it supports classes, objects, inheritance, and other features found in Object-Oriented models, as well as data types, tabular structures, and other features found in Relational Data Models.</a:t>
             </a:r>
-            <a:endParaRPr dirty="0"/>
+            <a:endParaRPr dirty="0">
+              <a:highlight>
+                <a:srgbClr val="FFFF00"/>
+              </a:highlight>
+            </a:endParaRPr>
           </a:p>
         </p:txBody>
       </p:sp>
@@ -19999,13 +20040,6 @@
   <p:clrMapOvr>
     <a:masterClrMapping/>
   </p:clrMapOvr>
-  <p:timing>
-    <p:tnLst>
-      <p:par>
-        <p:cTn id="1" dur="indefinite" restart="never" nodeType="tmRoot"/>
-      </p:par>
-    </p:tnLst>
-  </p:timing>
 </p:sld>
 </file>
 
@@ -20209,13 +20243,6 @@
   <p:clrMapOvr>
     <a:masterClrMapping/>
   </p:clrMapOvr>
-  <p:timing>
-    <p:tnLst>
-      <p:par>
-        <p:cTn id="1" dur="indefinite" restart="never" nodeType="tmRoot"/>
-      </p:par>
-    </p:tnLst>
-  </p:timing>
 </p:sld>
 </file>
 
@@ -20649,13 +20676,6 @@
   <p:clrMapOvr>
     <a:masterClrMapping/>
   </p:clrMapOvr>
-  <p:timing>
-    <p:tnLst>
-      <p:par>
-        <p:cTn id="1" dur="indefinite" restart="never" nodeType="tmRoot"/>
-      </p:par>
-    </p:tnLst>
-  </p:timing>
 </p:sld>
 </file>
 
@@ -21105,13 +21125,6 @@
   <p:clrMapOvr>
     <a:masterClrMapping/>
   </p:clrMapOvr>
-  <p:timing>
-    <p:tnLst>
-      <p:par>
-        <p:cTn id="1" dur="indefinite" restart="never" nodeType="tmRoot"/>
-      </p:par>
-    </p:tnLst>
-  </p:timing>
 </p:sld>
 </file>
 
@@ -21520,13 +21533,6 @@
   <p:clrMapOvr>
     <a:masterClrMapping/>
   </p:clrMapOvr>
-  <p:timing>
-    <p:tnLst>
-      <p:par>
-        <p:cTn id="1" dur="indefinite" restart="never" nodeType="tmRoot"/>
-      </p:par>
-    </p:tnLst>
-  </p:timing>
 </p:sld>
 </file>
 
@@ -21967,13 +21973,6 @@
   <p:clrMapOvr>
     <a:masterClrMapping/>
   </p:clrMapOvr>
-  <p:timing>
-    <p:tnLst>
-      <p:par>
-        <p:cTn id="1" dur="indefinite" restart="never" nodeType="tmRoot"/>
-      </p:par>
-    </p:tnLst>
-  </p:timing>
 </p:sld>
 </file>
 
@@ -22326,13 +22325,6 @@
   <p:clrMapOvr>
     <a:masterClrMapping/>
   </p:clrMapOvr>
-  <p:timing>
-    <p:tnLst>
-      <p:par>
-        <p:cTn id="1" dur="indefinite" restart="never" nodeType="tmRoot"/>
-      </p:par>
-    </p:tnLst>
-  </p:timing>
 </p:sld>
 </file>
 
@@ -22773,13 +22765,6 @@
   <p:clrMapOvr>
     <a:masterClrMapping/>
   </p:clrMapOvr>
-  <p:timing>
-    <p:tnLst>
-      <p:par>
-        <p:cTn id="1" dur="indefinite" restart="never" nodeType="tmRoot"/>
-      </p:par>
-    </p:tnLst>
-  </p:timing>
 </p:sld>
 </file>
 
@@ -23157,13 +23142,6 @@
   <p:clrMapOvr>
     <a:masterClrMapping/>
   </p:clrMapOvr>
-  <p:timing>
-    <p:tnLst>
-      <p:par>
-        <p:cTn id="1" dur="indefinite" restart="never" nodeType="tmRoot"/>
-      </p:par>
-    </p:tnLst>
-  </p:timing>
 </p:sld>
 </file>
 
@@ -23580,13 +23558,6 @@
   <p:clrMapOvr>
     <a:masterClrMapping/>
   </p:clrMapOvr>
-  <p:timing>
-    <p:tnLst>
-      <p:par>
-        <p:cTn id="1" dur="indefinite" restart="never" nodeType="tmRoot"/>
-      </p:par>
-    </p:tnLst>
-  </p:timing>
 </p:sld>
 </file>
 
@@ -23931,13 +23902,6 @@
   <p:clrMapOvr>
     <a:masterClrMapping/>
   </p:clrMapOvr>
-  <p:timing>
-    <p:tnLst>
-      <p:par>
-        <p:cTn id="1" dur="indefinite" restart="never" nodeType="tmRoot"/>
-      </p:par>
-    </p:tnLst>
-  </p:timing>
 </p:sld>
 </file>
 
@@ -24290,13 +24254,6 @@
   <p:clrMapOvr>
     <a:masterClrMapping/>
   </p:clrMapOvr>
-  <p:timing>
-    <p:tnLst>
-      <p:par>
-        <p:cTn id="1" dur="indefinite" restart="never" nodeType="tmRoot"/>
-      </p:par>
-    </p:tnLst>
-  </p:timing>
 </p:sld>
 </file>
 
@@ -24772,13 +24729,6 @@
   <p:clrMapOvr>
     <a:masterClrMapping/>
   </p:clrMapOvr>
-  <p:timing>
-    <p:tnLst>
-      <p:par>
-        <p:cTn id="1" dur="indefinite" restart="never" nodeType="tmRoot"/>
-      </p:par>
-    </p:tnLst>
-  </p:timing>
 </p:sld>
 </file>
 
@@ -25209,13 +25159,6 @@
   <p:clrMapOvr>
     <a:masterClrMapping/>
   </p:clrMapOvr>
-  <p:timing>
-    <p:tnLst>
-      <p:par>
-        <p:cTn id="1" dur="indefinite" restart="never" nodeType="tmRoot"/>
-      </p:par>
-    </p:tnLst>
-  </p:timing>
 </p:sld>
 </file>
 
@@ -25479,7 +25422,7 @@
               <a:buChar char="■"/>
             </a:pPr>
             <a:r>
-              <a:rPr lang="en-US" sz="2800" b="0" i="0" u="none" dirty="0" err="1" smtClean="0">
+              <a:rPr lang="en-US" sz="2800" b="0" i="0" u="none" dirty="0" err="1">
                 <a:solidFill>
                   <a:schemeClr val="dk2"/>
                 </a:solidFill>
@@ -25491,7 +25434,7 @@
               <a:t>Multidatabase</a:t>
             </a:r>
             <a:r>
-              <a:rPr lang="en-US" sz="2800" b="0" i="0" u="none" dirty="0" smtClean="0">
+              <a:rPr lang="en-US" sz="2800" b="0" i="0" u="none" dirty="0">
                 <a:solidFill>
                   <a:schemeClr val="dk2"/>
                 </a:solidFill>
@@ -25500,19 +25443,7 @@
                 <a:cs typeface="Arial"/>
                 <a:sym typeface="Arial"/>
               </a:rPr>
-              <a:t> </a:t>
-            </a:r>
-            <a:r>
-              <a:rPr lang="en-US" sz="2800" b="0" i="0" u="none" dirty="0">
-                <a:solidFill>
-                  <a:schemeClr val="dk2"/>
-                </a:solidFill>
-                <a:latin typeface="Arial"/>
-                <a:ea typeface="Arial"/>
-                <a:cs typeface="Arial"/>
-                <a:sym typeface="Arial"/>
-              </a:rPr>
-              <a:t>Systems</a:t>
+              <a:t> Systems</a:t>
             </a:r>
             <a:endParaRPr dirty="0"/>
           </a:p>
@@ -25539,6 +25470,9 @@
                 <a:solidFill>
                   <a:schemeClr val="dk2"/>
                 </a:solidFill>
+                <a:highlight>
+                  <a:srgbClr val="FFFF00"/>
+                </a:highlight>
                 <a:latin typeface="Arial"/>
                 <a:ea typeface="Arial"/>
                 <a:cs typeface="Arial"/>
@@ -25546,7 +25480,11 @@
               </a:rPr>
               <a:t>Distributed Database Systems have now come to be known as client-server based database systems because:</a:t>
             </a:r>
-            <a:endParaRPr dirty="0"/>
+            <a:endParaRPr dirty="0">
+              <a:highlight>
+                <a:srgbClr val="FFFF00"/>
+              </a:highlight>
+            </a:endParaRPr>
           </a:p>
           <a:p>
             <a:pPr marL="742950" lvl="1" indent="-285750" algn="l" rtl="0">
@@ -25571,6 +25509,9 @@
                 <a:solidFill>
                   <a:srgbClr val="800000"/>
                 </a:solidFill>
+                <a:highlight>
+                  <a:srgbClr val="FFFF00"/>
+                </a:highlight>
                 <a:latin typeface="Arial"/>
                 <a:ea typeface="Arial"/>
                 <a:cs typeface="Arial"/>
@@ -25578,7 +25519,11 @@
               </a:rPr>
               <a:t>They do not support a totally distributed environment, but rather a set of database servers supporting a set of clients.</a:t>
             </a:r>
-            <a:endParaRPr dirty="0"/>
+            <a:endParaRPr dirty="0">
+              <a:highlight>
+                <a:srgbClr val="FFFF00"/>
+              </a:highlight>
+            </a:endParaRPr>
           </a:p>
           <a:p>
             <a:pPr marL="342900" lvl="0" indent="-243840" algn="l" rtl="0">
@@ -25613,13 +25558,6 @@
   <p:clrMapOvr>
     <a:masterClrMapping/>
   </p:clrMapOvr>
-  <p:timing>
-    <p:tnLst>
-      <p:par>
-        <p:cTn id="1" dur="indefinite" restart="never" nodeType="tmRoot"/>
-      </p:par>
-    </p:tnLst>
-  </p:timing>
 </p:sld>
 </file>
 
@@ -26004,13 +25942,6 @@
   <p:clrMapOvr>
     <a:masterClrMapping/>
   </p:clrMapOvr>
-  <p:timing>
-    <p:tnLst>
-      <p:par>
-        <p:cTn id="1" dur="indefinite" restart="never" nodeType="tmRoot"/>
-      </p:par>
-    </p:tnLst>
-  </p:timing>
 </p:sld>
 </file>
 
@@ -26486,13 +26417,6 @@
   <p:clrMapOvr>
     <a:masterClrMapping/>
   </p:clrMapOvr>
-  <p:timing>
-    <p:tnLst>
-      <p:par>
-        <p:cTn id="1" dur="indefinite" restart="never" nodeType="tmRoot"/>
-      </p:par>
-    </p:tnLst>
-  </p:timing>
 </p:sld>
 </file>
 
@@ -26518,7 +26442,7 @@
           <p:cNvPr id="2" name="Title 1">
             <a:extLst>
               <a:ext uri="{FF2B5EF4-FFF2-40B4-BE49-F238E27FC236}">
-                <a16:creationId xmlns="" xmlns:a16="http://schemas.microsoft.com/office/drawing/2014/main" id="{08A44E49-17E5-4866-5155-43D619741522}"/>
+                <a16:creationId xmlns:a16="http://schemas.microsoft.com/office/drawing/2014/main" id="{08A44E49-17E5-4866-5155-43D619741522}"/>
               </a:ext>
             </a:extLst>
           </p:cNvPr>
@@ -26546,7 +26470,7 @@
           <p:cNvPr id="3" name="Text Placeholder 2">
             <a:extLst>
               <a:ext uri="{FF2B5EF4-FFF2-40B4-BE49-F238E27FC236}">
-                <a16:creationId xmlns="" xmlns:a16="http://schemas.microsoft.com/office/drawing/2014/main" id="{2C788521-95A0-F8DC-5143-C9E1770BCA1D}"/>
+                <a16:creationId xmlns:a16="http://schemas.microsoft.com/office/drawing/2014/main" id="{2C788521-95A0-F8DC-5143-C9E1770BCA1D}"/>
               </a:ext>
             </a:extLst>
           </p:cNvPr>
@@ -26581,7 +26505,7 @@
           <p:cNvPr id="4" name="Slide Number Placeholder 3">
             <a:extLst>
               <a:ext uri="{FF2B5EF4-FFF2-40B4-BE49-F238E27FC236}">
-                <a16:creationId xmlns="" xmlns:a16="http://schemas.microsoft.com/office/drawing/2014/main" id="{01742584-02AC-BEC9-442F-2063981141F6}"/>
+                <a16:creationId xmlns:a16="http://schemas.microsoft.com/office/drawing/2014/main" id="{01742584-02AC-BEC9-442F-2063981141F6}"/>
               </a:ext>
             </a:extLst>
           </p:cNvPr>
@@ -26623,7 +26547,7 @@
           <p:cNvPr id="6" name="Picture 5">
             <a:extLst>
               <a:ext uri="{FF2B5EF4-FFF2-40B4-BE49-F238E27FC236}">
-                <a16:creationId xmlns="" xmlns:a16="http://schemas.microsoft.com/office/drawing/2014/main" id="{CB4F99F4-D32C-1A6B-FA66-72F545F96739}"/>
+                <a16:creationId xmlns:a16="http://schemas.microsoft.com/office/drawing/2014/main" id="{CB4F99F4-D32C-1A6B-FA66-72F545F96739}"/>
               </a:ext>
             </a:extLst>
           </p:cNvPr>
@@ -26658,13 +26582,6 @@
   <p:clrMapOvr>
     <a:masterClrMapping/>
   </p:clrMapOvr>
-  <p:timing>
-    <p:tnLst>
-      <p:par>
-        <p:cTn id="1" dur="indefinite" restart="never" nodeType="tmRoot"/>
-      </p:par>
-    </p:tnLst>
-  </p:timing>
 </p:sld>
 </file>
 
@@ -27212,13 +27129,6 @@
   <p:clrMapOvr>
     <a:masterClrMapping/>
   </p:clrMapOvr>
-  <p:timing>
-    <p:tnLst>
-      <p:par>
-        <p:cTn id="1" dur="indefinite" restart="never" nodeType="tmRoot"/>
-      </p:par>
-    </p:tnLst>
-  </p:timing>
 </p:sld>
 </file>
 
@@ -27646,13 +27556,6 @@
   <p:clrMapOvr>
     <a:masterClrMapping/>
   </p:clrMapOvr>
-  <p:timing>
-    <p:tnLst>
-      <p:par>
-        <p:cTn id="1" dur="indefinite" restart="never" nodeType="tmRoot"/>
-      </p:par>
-    </p:tnLst>
-  </p:timing>
 </p:sld>
 </file>
 
@@ -28136,13 +28039,6 @@
   <p:clrMapOvr>
     <a:masterClrMapping/>
   </p:clrMapOvr>
-  <p:timing>
-    <p:tnLst>
-      <p:par>
-        <p:cTn id="1" dur="indefinite" restart="never" nodeType="tmRoot"/>
-      </p:par>
-    </p:tnLst>
-  </p:timing>
 </p:sld>
 </file>
 
@@ -28342,7 +28238,7 @@
               <a:buChar char="■"/>
             </a:pPr>
             <a:r>
-              <a:rPr lang="en-US" sz="2800" b="0" i="0" u="none" dirty="0" smtClean="0">
+              <a:rPr lang="en-US" sz="2800" b="0" i="0" u="none" dirty="0">
                 <a:solidFill>
                   <a:schemeClr val="dk2"/>
                 </a:solidFill>
@@ -28351,19 +28247,7 @@
                 <a:cs typeface="Arial"/>
                 <a:sym typeface="Arial"/>
               </a:rPr>
-              <a:t>Hierarchical </a:t>
-            </a:r>
-            <a:r>
-              <a:rPr lang="en-US" sz="2800" b="0" i="0" u="none" dirty="0">
-                <a:solidFill>
-                  <a:schemeClr val="dk2"/>
-                </a:solidFill>
-                <a:latin typeface="Arial"/>
-                <a:ea typeface="Arial"/>
-                <a:cs typeface="Arial"/>
-                <a:sym typeface="Arial"/>
-              </a:rPr>
-              <a:t>Model</a:t>
+              <a:t>Hierarchical Model</a:t>
             </a:r>
             <a:endParaRPr dirty="0"/>
           </a:p>
@@ -28398,7 +28282,7 @@
               <a:buChar char="■"/>
             </a:pPr>
             <a:r>
-              <a:rPr lang="en-US" sz="2800" b="0" i="0" u="none" dirty="0" smtClean="0">
+              <a:rPr lang="en-US" sz="2800" b="0" i="0" u="none" dirty="0">
                 <a:solidFill>
                   <a:schemeClr val="dk2"/>
                 </a:solidFill>
@@ -28407,19 +28291,7 @@
                 <a:cs typeface="Arial"/>
                 <a:sym typeface="Arial"/>
               </a:rPr>
-              <a:t>Relational </a:t>
-            </a:r>
-            <a:r>
-              <a:rPr lang="en-US" sz="2800" b="0" i="0" u="none" dirty="0">
-                <a:solidFill>
-                  <a:schemeClr val="dk2"/>
-                </a:solidFill>
-                <a:latin typeface="Arial"/>
-                <a:ea typeface="Arial"/>
-                <a:cs typeface="Arial"/>
-                <a:sym typeface="Arial"/>
-              </a:rPr>
-              <a:t>Model</a:t>
+              <a:t>Relational Model</a:t>
             </a:r>
             <a:endParaRPr dirty="0"/>
           </a:p>
@@ -28494,13 +28366,6 @@
   <p:clrMapOvr>
     <a:masterClrMapping/>
   </p:clrMapOvr>
-  <p:timing>
-    <p:tnLst>
-      <p:par>
-        <p:cTn id="1" dur="indefinite" restart="never" nodeType="tmRoot"/>
-      </p:par>
-    </p:tnLst>
-  </p:timing>
 </p:sld>
 </file>
 
@@ -28741,19 +28606,49 @@
                 <a:cs typeface="Arial"/>
                 <a:sym typeface="Arial"/>
               </a:rPr>
-              <a:t>In this, the data is organized into a tree-like structure where each record consists of one parent record and many children</a:t>
-            </a:r>
-            <a:r>
-              <a:rPr lang="en-US" sz="2400" b="0" i="0" u="none" dirty="0" smtClean="0">
+              <a:t>In this, the data is organized into a </a:t>
+            </a:r>
+            <a:r>
+              <a:rPr lang="en-US" sz="2400" b="0" i="0" u="none" dirty="0">
                 <a:solidFill>
                   <a:srgbClr val="800000"/>
                 </a:solidFill>
-                <a:latin typeface="Arial"/>
-                <a:ea typeface="Arial"/>
-                <a:cs typeface="Arial"/>
-                <a:sym typeface="Arial"/>
-              </a:rPr>
-              <a:t>.</a:t>
+                <a:highlight>
+                  <a:srgbClr val="FFFF00"/>
+                </a:highlight>
+                <a:latin typeface="Arial"/>
+                <a:ea typeface="Arial"/>
+                <a:cs typeface="Arial"/>
+                <a:sym typeface="Arial"/>
+              </a:rPr>
+              <a:t>tree-like structure </a:t>
+            </a:r>
+            <a:r>
+              <a:rPr lang="en-US" sz="2400" b="0" i="0" u="none" dirty="0">
+                <a:solidFill>
+                  <a:srgbClr val="800000"/>
+                </a:solidFill>
+                <a:latin typeface="Arial"/>
+                <a:ea typeface="Arial"/>
+                <a:cs typeface="Arial"/>
+                <a:sym typeface="Arial"/>
+              </a:rPr>
+              <a:t>where </a:t>
+            </a:r>
+            <a:r>
+              <a:rPr lang="en-US" sz="2400" b="0" i="0" u="none" dirty="0">
+                <a:solidFill>
+                  <a:srgbClr val="800000"/>
+                </a:solidFill>
+                <a:highlight>
+                  <a:srgbClr val="FFFF00"/>
+                </a:highlight>
+                <a:latin typeface="Arial"/>
+                <a:ea typeface="Arial"/>
+                <a:cs typeface="Arial"/>
+                <a:sym typeface="Arial"/>
+              </a:rPr>
+              <a:t>each record consists of one parent record and many children.</a:t>
             </a:r>
           </a:p>
           <a:p>
@@ -28764,13 +28659,20 @@
               <a:buSzPts val="1430"/>
             </a:pPr>
             <a:r>
-              <a:rPr lang="en-US" sz="2400" dirty="0"/>
+              <a:rPr lang="en-US" sz="2400" dirty="0">
+                <a:highlight>
+                  <a:srgbClr val="FFFF00"/>
+                </a:highlight>
+              </a:rPr>
               <a:t>single one-to-many relationship between two different kinds of data.</a:t>
             </a:r>
             <a:endParaRPr lang="en-US" sz="2400" b="0" i="0" u="none" dirty="0">
               <a:solidFill>
                 <a:srgbClr val="800000"/>
               </a:solidFill>
+              <a:highlight>
+                <a:srgbClr val="FFFF00"/>
+              </a:highlight>
               <a:latin typeface="Arial"/>
               <a:ea typeface="Arial"/>
               <a:cs typeface="Arial"/>
@@ -28848,13 +28750,6 @@
   <p:clrMapOvr>
     <a:masterClrMapping/>
   </p:clrMapOvr>
-  <p:timing>
-    <p:tnLst>
-      <p:par>
-        <p:cTn id="1" dur="indefinite" restart="never" nodeType="tmRoot"/>
-      </p:par>
-    </p:tnLst>
-  </p:timing>
 </p:sld>
 </file>
 
